--- a/PRD-21-C2/非受控文档/项目评审文档/需求工程计划.pptx
+++ b/PRD-21-C2/非受控文档/项目评审文档/需求工程计划.pptx
@@ -3299,7 +3299,7 @@
           <a:p>
             <a:fld id="{B4228AB5-7083-4BB8-849A-BD0D85F5B4E7}" type="datetimeFigureOut">
               <a:rPr lang="zh-CN" altLang="en-US" smtClean="0"/>
-              <a:t>2017/11/1</a:t>
+              <a:t>2017/11/2</a:t>
             </a:fld>
             <a:endParaRPr lang="zh-CN" altLang="en-US"/>
           </a:p>
@@ -3906,7 +3906,7 @@
           <a:p>
             <a:fld id="{9196527B-5E4F-4031-BCD7-5A72EA5A2781}" type="datetimeFigureOut">
               <a:rPr lang="zh-CN" altLang="en-US" smtClean="0"/>
-              <a:t>2017/11/1</a:t>
+              <a:t>2017/11/2</a:t>
             </a:fld>
             <a:endParaRPr lang="zh-CN" altLang="en-US"/>
           </a:p>
@@ -4069,7 +4069,7 @@
           <a:p>
             <a:fld id="{9196527B-5E4F-4031-BCD7-5A72EA5A2781}" type="datetimeFigureOut">
               <a:rPr lang="zh-CN" altLang="en-US" smtClean="0"/>
-              <a:t>2017/11/1</a:t>
+              <a:t>2017/11/2</a:t>
             </a:fld>
             <a:endParaRPr lang="zh-CN" altLang="en-US"/>
           </a:p>
@@ -4242,7 +4242,7 @@
           <a:p>
             <a:fld id="{9196527B-5E4F-4031-BCD7-5A72EA5A2781}" type="datetimeFigureOut">
               <a:rPr lang="zh-CN" altLang="en-US" smtClean="0"/>
-              <a:t>2017/11/1</a:t>
+              <a:t>2017/11/2</a:t>
             </a:fld>
             <a:endParaRPr lang="zh-CN" altLang="en-US"/>
           </a:p>
@@ -4405,7 +4405,7 @@
           <a:p>
             <a:fld id="{9196527B-5E4F-4031-BCD7-5A72EA5A2781}" type="datetimeFigureOut">
               <a:rPr lang="zh-CN" altLang="en-US" smtClean="0"/>
-              <a:t>2017/11/1</a:t>
+              <a:t>2017/11/2</a:t>
             </a:fld>
             <a:endParaRPr lang="zh-CN" altLang="en-US"/>
           </a:p>
@@ -4645,7 +4645,7 @@
           <a:p>
             <a:fld id="{9196527B-5E4F-4031-BCD7-5A72EA5A2781}" type="datetimeFigureOut">
               <a:rPr lang="zh-CN" altLang="en-US" smtClean="0"/>
-              <a:t>2017/11/1</a:t>
+              <a:t>2017/11/2</a:t>
             </a:fld>
             <a:endParaRPr lang="zh-CN" altLang="en-US"/>
           </a:p>
@@ -4925,7 +4925,7 @@
           <a:p>
             <a:fld id="{9196527B-5E4F-4031-BCD7-5A72EA5A2781}" type="datetimeFigureOut">
               <a:rPr lang="zh-CN" altLang="en-US" smtClean="0"/>
-              <a:t>2017/11/1</a:t>
+              <a:t>2017/11/2</a:t>
             </a:fld>
             <a:endParaRPr lang="zh-CN" altLang="en-US"/>
           </a:p>
@@ -5339,7 +5339,7 @@
           <a:p>
             <a:fld id="{9196527B-5E4F-4031-BCD7-5A72EA5A2781}" type="datetimeFigureOut">
               <a:rPr lang="zh-CN" altLang="en-US" smtClean="0"/>
-              <a:t>2017/11/1</a:t>
+              <a:t>2017/11/2</a:t>
             </a:fld>
             <a:endParaRPr lang="zh-CN" altLang="en-US"/>
           </a:p>
@@ -5451,7 +5451,7 @@
           <a:p>
             <a:fld id="{9196527B-5E4F-4031-BCD7-5A72EA5A2781}" type="datetimeFigureOut">
               <a:rPr lang="zh-CN" altLang="en-US" smtClean="0"/>
-              <a:t>2017/11/1</a:t>
+              <a:t>2017/11/2</a:t>
             </a:fld>
             <a:endParaRPr lang="zh-CN" altLang="en-US"/>
           </a:p>
@@ -5541,7 +5541,7 @@
           <a:p>
             <a:fld id="{9196527B-5E4F-4031-BCD7-5A72EA5A2781}" type="datetimeFigureOut">
               <a:rPr lang="zh-CN" altLang="en-US" smtClean="0"/>
-              <a:t>2017/11/1</a:t>
+              <a:t>2017/11/2</a:t>
             </a:fld>
             <a:endParaRPr lang="zh-CN" altLang="en-US"/>
           </a:p>
@@ -5811,7 +5811,7 @@
           <a:p>
             <a:fld id="{9196527B-5E4F-4031-BCD7-5A72EA5A2781}" type="datetimeFigureOut">
               <a:rPr lang="zh-CN" altLang="en-US" smtClean="0"/>
-              <a:t>2017/11/1</a:t>
+              <a:t>2017/11/2</a:t>
             </a:fld>
             <a:endParaRPr lang="zh-CN" altLang="en-US"/>
           </a:p>
@@ -6058,7 +6058,7 @@
           <a:p>
             <a:fld id="{9196527B-5E4F-4031-BCD7-5A72EA5A2781}" type="datetimeFigureOut">
               <a:rPr lang="zh-CN" altLang="en-US" smtClean="0"/>
-              <a:t>2017/11/1</a:t>
+              <a:t>2017/11/2</a:t>
             </a:fld>
             <a:endParaRPr lang="zh-CN" altLang="en-US"/>
           </a:p>
@@ -6270,7 +6270,7 @@
           <a:p>
             <a:fld id="{9196527B-5E4F-4031-BCD7-5A72EA5A2781}" type="datetimeFigureOut">
               <a:rPr lang="zh-CN" altLang="en-US" smtClean="0"/>
-              <a:t>2017/11/1</a:t>
+              <a:t>2017/11/2</a:t>
             </a:fld>
             <a:endParaRPr lang="zh-CN" altLang="en-US"/>
           </a:p>
@@ -8058,7 +8058,7 @@
         </p:blipFill>
         <p:spPr>
           <a:xfrm>
-            <a:off x="574963" y="764704"/>
+            <a:off x="683568" y="404664"/>
             <a:ext cx="7994073" cy="5256584"/>
           </a:xfrm>
           <a:prstGeom prst="rect">
@@ -10848,7 +10848,7 @@
             <p:ph idx="1"/>
             <p:extLst>
               <p:ext uri="{D42A27DB-BD31-4B8C-83A1-F6EECF244321}">
-                <p14:modId xmlns:p14="http://schemas.microsoft.com/office/powerpoint/2010/main" val="3702356272"/>
+                <p14:modId xmlns:p14="http://schemas.microsoft.com/office/powerpoint/2010/main" val="2125959745"/>
               </p:ext>
             </p:extLst>
           </p:nvPr>
@@ -10891,12 +10891,12 @@
                         </a:spcAft>
                       </a:pPr>
                       <a:r>
-                        <a:rPr lang="zh-CN" sz="1200" kern="100">
+                        <a:rPr lang="zh-CN" sz="1600" kern="100">
                           <a:effectLst/>
                         </a:rPr>
                         <a:t>游客需求合格标准</a:t>
                       </a:r>
-                      <a:endParaRPr lang="zh-CN" sz="1200" kern="100">
+                      <a:endParaRPr lang="zh-CN" sz="1600" kern="100">
                         <a:effectLst/>
                         <a:latin typeface="Cambria" panose="02040503050406030204" pitchFamily="18" charset="0"/>
                         <a:ea typeface="宋体" panose="02010600030101010101" pitchFamily="2" charset="-122"/>
@@ -10920,7 +10920,7 @@
                         </a:tabLst>
                       </a:pPr>
                       <a:r>
-                        <a:rPr lang="zh-CN" sz="1200" kern="100" dirty="0">
+                        <a:rPr lang="zh-CN" sz="1600" kern="100" dirty="0">
                           <a:effectLst/>
                         </a:rPr>
                         <a:t>1网站提供项目管理,需求工程,对象建模，以及软件工程相关课程、还有老师的详细介绍，并放在网站显著位置。</a:t>
@@ -10936,7 +10936,7 @@
                         </a:tabLst>
                       </a:pPr>
                       <a:r>
-                        <a:rPr lang="zh-CN" sz="1200" kern="100" dirty="0">
+                        <a:rPr lang="zh-CN" sz="1600" kern="100" dirty="0">
                           <a:effectLst/>
                         </a:rPr>
                         <a:t>2相关链接(含学校选课系统，以及需求相关主题网站)。</a:t>
@@ -10952,7 +10952,7 @@
                         </a:tabLst>
                       </a:pPr>
                       <a:r>
-                        <a:rPr lang="zh-CN" sz="1200" kern="100" dirty="0">
+                        <a:rPr lang="zh-CN" sz="1600" kern="100" dirty="0">
                           <a:effectLst/>
                         </a:rPr>
                         <a:t>3网站允许游客可以针对网站内容留言(如提供留言板的功能，留言者有EMAIL可选项，用于信息反馈)。</a:t>
@@ -10968,7 +10968,7 @@
                         </a:tabLst>
                       </a:pPr>
                       <a:r>
-                        <a:rPr lang="zh-CN" sz="1200" kern="100" dirty="0">
+                        <a:rPr lang="zh-CN" sz="1600" kern="100" dirty="0">
                           <a:effectLst/>
                         </a:rPr>
                         <a:t>4网站管理员不随便删除游客留言。</a:t>
@@ -10981,12 +10981,12 @@
                         </a:spcAft>
                       </a:pPr>
                       <a:r>
-                        <a:rPr lang="en-US" sz="1200" kern="100" dirty="0">
+                        <a:rPr lang="en-US" sz="1600" kern="100" dirty="0">
                           <a:effectLst/>
                         </a:rPr>
                         <a:t> </a:t>
                       </a:r>
-                      <a:endParaRPr lang="zh-CN" sz="1200" kern="100" dirty="0">
+                      <a:endParaRPr lang="zh-CN" sz="1600" kern="100" dirty="0">
                         <a:effectLst/>
                         <a:latin typeface="Cambria" panose="02040503050406030204" pitchFamily="18" charset="0"/>
                         <a:ea typeface="宋体" panose="02010600030101010101" pitchFamily="2" charset="-122"/>
@@ -11014,12 +11014,12 @@
                         </a:spcAft>
                       </a:pPr>
                       <a:r>
-                        <a:rPr lang="zh-CN" sz="1200" kern="100">
+                        <a:rPr lang="zh-CN" sz="1600" kern="100">
                           <a:effectLst/>
                         </a:rPr>
                         <a:t>特定的法律或规定或者合同条款</a:t>
                       </a:r>
-                      <a:endParaRPr lang="zh-CN" sz="1200" kern="100">
+                      <a:endParaRPr lang="zh-CN" sz="1600" kern="100">
                         <a:effectLst/>
                         <a:latin typeface="Cambria" panose="02040503050406030204" pitchFamily="18" charset="0"/>
                         <a:ea typeface="宋体" panose="02010600030101010101" pitchFamily="2" charset="-122"/>
@@ -11040,12 +11040,12 @@
                         </a:spcAft>
                       </a:pPr>
                       <a:r>
-                        <a:rPr lang="zh-CN" sz="1200" kern="100" dirty="0">
+                        <a:rPr lang="zh-CN" sz="1600" kern="100" dirty="0">
                           <a:effectLst/>
                         </a:rPr>
                         <a:t>相关教学资料属于正版教学资料，遵守法律的相关机构的规定</a:t>
                       </a:r>
-                      <a:endParaRPr lang="zh-CN" sz="1200" kern="100" dirty="0">
+                      <a:endParaRPr lang="zh-CN" sz="1600" kern="100" dirty="0">
                         <a:effectLst/>
                         <a:latin typeface="Cambria" panose="02040503050406030204" pitchFamily="18" charset="0"/>
                         <a:ea typeface="宋体" panose="02010600030101010101" pitchFamily="2" charset="-122"/>
@@ -15573,7 +15573,7 @@
                   <a:schemeClr val="bg1"/>
                 </a:solidFill>
               </a:rPr>
-              <a:t>分工：</a:t>
+              <a:t>分工内容：详见每页</a:t>
             </a:r>
             <a:r>
               <a:rPr lang="en-US" altLang="zh-CN" dirty="0">
@@ -15589,7 +15589,7 @@
                   <a:schemeClr val="bg1"/>
                 </a:solidFill>
               </a:rPr>
-              <a:t>由吴桐完成</a:t>
+              <a:t>右下角</a:t>
             </a:r>
             <a:endParaRPr lang="en-US" altLang="zh-CN" dirty="0">
               <a:solidFill>
@@ -15604,15 +15604,15 @@
                   <a:schemeClr val="bg1"/>
                 </a:solidFill>
               </a:rPr>
-              <a:t>内容：详见每页</a:t>
-            </a:r>
-            <a:r>
-              <a:rPr lang="en-US" altLang="zh-CN" dirty="0">
+              <a:t>参考资料：软件工程（第</a:t>
+            </a:r>
+            <a:r>
+              <a:rPr lang="en-US" dirty="0">
                 <a:solidFill>
                   <a:schemeClr val="bg1"/>
                 </a:solidFill>
               </a:rPr>
-              <a:t>PPT</a:t>
+              <a:t>3</a:t>
             </a:r>
             <a:r>
               <a:rPr lang="zh-CN" altLang="en-US" dirty="0">
@@ -15620,7 +15620,7 @@
                   <a:schemeClr val="bg1"/>
                 </a:solidFill>
               </a:rPr>
-              <a:t>右下角</a:t>
+              <a:t>版）</a:t>
             </a:r>
             <a:endParaRPr lang="en-US" altLang="zh-CN" dirty="0">
               <a:solidFill>
@@ -15635,15 +15635,15 @@
                   <a:schemeClr val="bg1"/>
                 </a:solidFill>
               </a:rPr>
-              <a:t>参考资料：软件工程（第</a:t>
-            </a:r>
-            <a:r>
-              <a:rPr lang="en-US" dirty="0">
+              <a:t>评价：吴桐</a:t>
+            </a:r>
+            <a:r>
+              <a:rPr lang="en-US" altLang="zh-CN" dirty="0">
                 <a:solidFill>
                   <a:schemeClr val="bg1"/>
                 </a:solidFill>
               </a:rPr>
-              <a:t>3</a:t>
+              <a:t>8.0</a:t>
             </a:r>
             <a:r>
               <a:rPr lang="zh-CN" altLang="en-US" dirty="0">
@@ -15651,8 +15651,61 @@
                   <a:schemeClr val="bg1"/>
                 </a:solidFill>
               </a:rPr>
-              <a:t>版）</a:t>
-            </a:r>
+              <a:t>分 邬立东</a:t>
+            </a:r>
+            <a:r>
+              <a:rPr lang="en-US" altLang="zh-CN" dirty="0">
+                <a:solidFill>
+                  <a:schemeClr val="bg1"/>
+                </a:solidFill>
+              </a:rPr>
+              <a:t>9.0</a:t>
+            </a:r>
+            <a:r>
+              <a:rPr lang="zh-CN" altLang="en-US" dirty="0">
+                <a:solidFill>
+                  <a:schemeClr val="bg1"/>
+                </a:solidFill>
+              </a:rPr>
+              <a:t>分 赵高生</a:t>
+            </a:r>
+            <a:r>
+              <a:rPr lang="en-US" altLang="zh-CN" dirty="0">
+                <a:solidFill>
+                  <a:schemeClr val="bg1"/>
+                </a:solidFill>
+              </a:rPr>
+              <a:t>8.5</a:t>
+            </a:r>
+            <a:r>
+              <a:rPr lang="zh-CN" altLang="en-US" dirty="0">
+                <a:solidFill>
+                  <a:schemeClr val="bg1"/>
+                </a:solidFill>
+              </a:rPr>
+              <a:t>分尹健瑾 </a:t>
+            </a:r>
+            <a:r>
+              <a:rPr lang="en-US" altLang="zh-CN" dirty="0">
+                <a:solidFill>
+                  <a:schemeClr val="bg1"/>
+                </a:solidFill>
+              </a:rPr>
+              <a:t>9.5</a:t>
+            </a:r>
+            <a:r>
+              <a:rPr lang="zh-CN" altLang="en-US">
+                <a:solidFill>
+                  <a:schemeClr val="bg1"/>
+                </a:solidFill>
+              </a:rPr>
+              <a:t>分</a:t>
+            </a:r>
+            <a:endParaRPr lang="zh-CN" altLang="en-US" dirty="0">
+              <a:solidFill>
+                <a:schemeClr val="bg1"/>
+              </a:solidFill>
+            </a:endParaRPr>
           </a:p>
         </p:txBody>
       </p:sp>

--- a/PRD-21-C2/非受控文档/项目评审文档/需求工程计划.pptx
+++ b/PRD-21-C2/非受控文档/项目评审文档/需求工程计划.pptx
@@ -15604,7 +15604,23 @@
                   <a:schemeClr val="bg1"/>
                 </a:solidFill>
               </a:rPr>
-              <a:t>参考资料：软件工程（第</a:t>
+              <a:t>参考资料</a:t>
+            </a:r>
+            <a:r>
+              <a:rPr lang="zh-CN" altLang="en-US">
+                <a:solidFill>
+                  <a:schemeClr val="bg1"/>
+                </a:solidFill>
+              </a:rPr>
+              <a:t>：软件需求（</a:t>
+            </a:r>
+            <a:r>
+              <a:rPr lang="zh-CN" altLang="en-US" dirty="0">
+                <a:solidFill>
+                  <a:schemeClr val="bg1"/>
+                </a:solidFill>
+              </a:rPr>
+              <a:t>第</a:t>
             </a:r>
             <a:r>
               <a:rPr lang="en-US" dirty="0">
@@ -15694,18 +15710,13 @@
               <a:t>9.5</a:t>
             </a:r>
             <a:r>
-              <a:rPr lang="zh-CN" altLang="en-US">
+              <a:rPr lang="zh-CN" altLang="en-US" dirty="0">
                 <a:solidFill>
                   <a:schemeClr val="bg1"/>
                 </a:solidFill>
               </a:rPr>
               <a:t>分</a:t>
             </a:r>
-            <a:endParaRPr lang="zh-CN" altLang="en-US" dirty="0">
-              <a:solidFill>
-                <a:schemeClr val="bg1"/>
-              </a:solidFill>
-            </a:endParaRPr>
           </a:p>
         </p:txBody>
       </p:sp>

--- a/PRD-21-C2/非受控文档/项目评审文档/需求工程计划.pptx
+++ b/PRD-21-C2/非受控文档/项目评审文档/需求工程计划.pptx
@@ -1706,7 +1706,6 @@
             <a:rPr lang="zh-CN" altLang="en-US" sz="2500" kern="1200" dirty="0"/>
             <a:t>需求分析</a:t>
           </a:r>
-          <a:endParaRPr lang="zh-CN" sz="2500" kern="1200" dirty="0"/>
         </a:p>
       </dsp:txBody>
       <dsp:txXfrm>
@@ -1831,7 +1830,6 @@
             <a:rPr lang="zh-CN" altLang="en-US" sz="2500" kern="1200" dirty="0"/>
             <a:t>需求规格说明</a:t>
           </a:r>
-          <a:endParaRPr lang="zh-CN" sz="2500" kern="1200" dirty="0"/>
         </a:p>
       </dsp:txBody>
       <dsp:txXfrm>
@@ -1951,7 +1949,6 @@
             <a:rPr lang="zh-CN" altLang="en-US" sz="2500" kern="1200" dirty="0"/>
             <a:t>需求规格审核</a:t>
           </a:r>
-          <a:endParaRPr lang="zh-CN" sz="2500" kern="1200" dirty="0"/>
         </a:p>
       </dsp:txBody>
       <dsp:txXfrm>
@@ -10499,314 +10496,6 @@
           </a:p>
         </p:txBody>
       </p:sp>
-      <p:sp>
-        <p:nvSpPr>
-          <p:cNvPr id="14337" name="Rectangle 1"/>
-          <p:cNvSpPr>
-            <a:spLocks noChangeArrowheads="1"/>
-          </p:cNvSpPr>
-          <p:nvPr/>
-        </p:nvSpPr>
-        <p:spPr bwMode="auto">
-          <a:xfrm>
-            <a:off x="0" y="0"/>
-            <a:ext cx="9144000" cy="457200"/>
-          </a:xfrm>
-          <a:prstGeom prst="rect">
-            <a:avLst/>
-          </a:prstGeom>
-          <a:noFill/>
-          <a:ln w="9525">
-            <a:noFill/>
-            <a:miter lim="800000"/>
-            <a:headEnd/>
-            <a:tailEnd/>
-          </a:ln>
-          <a:effectLst/>
-        </p:spPr>
-        <p:txBody>
-          <a:bodyPr vert="horz" wrap="none" lIns="91440" tIns="215832" rIns="91440" bIns="209484" numCol="1" anchor="ctr" anchorCtr="0" compatLnSpc="1">
-            <a:prstTxWarp prst="textNoShape">
-              <a:avLst/>
-            </a:prstTxWarp>
-            <a:spAutoFit/>
-          </a:bodyPr>
-          <a:lstStyle/>
-          <a:p>
-            <a:pPr marL="0" marR="0" lvl="0" indent="0" algn="l" defTabSz="914400" rtl="0" eaLnBrk="1" fontAlgn="base" latinLnBrk="0" hangingPunct="1">
-              <a:lnSpc>
-                <a:spcPct val="100000"/>
-              </a:lnSpc>
-              <a:spcBef>
-                <a:spcPct val="0"/>
-              </a:spcBef>
-              <a:spcAft>
-                <a:spcPct val="0"/>
-              </a:spcAft>
-              <a:buClrTx/>
-              <a:buSzTx/>
-              <a:buFontTx/>
-              <a:buNone/>
-              <a:tabLst/>
-            </a:pPr>
-            <a:r>
-              <a:rPr kumimoji="0" lang="zh-CN" sz="2200" b="1" i="0" u="none" strike="noStrike" cap="none" normalizeH="0" baseline="0" bmk="_Toc497066677">
-                <a:ln>
-                  <a:noFill/>
-                </a:ln>
-                <a:solidFill>
-                  <a:schemeClr val="tx1"/>
-                </a:solidFill>
-                <a:effectLst/>
-                <a:latin typeface="宋体" pitchFamily="2" charset="-122"/>
-                <a:ea typeface="宋体" pitchFamily="2" charset="-122"/>
-                <a:cs typeface="Times New Roman" pitchFamily="18" charset="0"/>
-              </a:rPr>
-              <a:t>软件工程系列课程教学辅助网站</a:t>
-            </a:r>
-            <a:endParaRPr kumimoji="0" lang="zh-CN" sz="2200" b="1" i="0" u="none" strike="noStrike" cap="none" normalizeH="0" baseline="0" bmk="">
-              <a:ln>
-                <a:noFill/>
-              </a:ln>
-              <a:solidFill>
-                <a:schemeClr val="tx1"/>
-              </a:solidFill>
-              <a:effectLst/>
-              <a:latin typeface="Times New Roman" pitchFamily="18" charset="0"/>
-              <a:ea typeface="宋体" pitchFamily="2" charset="-122"/>
-              <a:cs typeface="Times New Roman" pitchFamily="18" charset="0"/>
-            </a:endParaRPr>
-          </a:p>
-          <a:p>
-            <a:pPr marL="0" marR="0" lvl="0" indent="0" algn="l" defTabSz="914400" rtl="0" eaLnBrk="0" fontAlgn="base" latinLnBrk="0" hangingPunct="0">
-              <a:lnSpc>
-                <a:spcPct val="100000"/>
-              </a:lnSpc>
-              <a:spcBef>
-                <a:spcPct val="0"/>
-              </a:spcBef>
-              <a:spcAft>
-                <a:spcPct val="0"/>
-              </a:spcAft>
-              <a:buClrTx/>
-              <a:buSzTx/>
-              <a:buFontTx/>
-              <a:buNone/>
-              <a:tabLst/>
-            </a:pPr>
-            <a:r>
-              <a:rPr kumimoji="0" lang="zh-CN" sz="2200" b="1" i="0" u="none" strike="noStrike" cap="none" normalizeH="0" baseline="0" bmk="">
-                <a:ln>
-                  <a:noFill/>
-                </a:ln>
-                <a:solidFill>
-                  <a:schemeClr val="tx1"/>
-                </a:solidFill>
-                <a:effectLst/>
-                <a:latin typeface="宋体" pitchFamily="2" charset="-122"/>
-                <a:ea typeface="宋体" pitchFamily="2" charset="-122"/>
-                <a:cs typeface="Times New Roman" pitchFamily="18" charset="0"/>
-              </a:rPr>
-              <a:t>需求工程计划</a:t>
-            </a:r>
-            <a:endParaRPr kumimoji="0" lang="zh-CN" sz="2200" b="1" i="0" u="none" strike="noStrike" cap="none" normalizeH="0" baseline="0">
-              <a:ln>
-                <a:noFill/>
-              </a:ln>
-              <a:solidFill>
-                <a:schemeClr val="tx1"/>
-              </a:solidFill>
-              <a:effectLst/>
-              <a:latin typeface="Times New Roman" pitchFamily="18" charset="0"/>
-              <a:ea typeface="宋体" pitchFamily="2" charset="-122"/>
-              <a:cs typeface="Times New Roman" pitchFamily="18" charset="0"/>
-            </a:endParaRPr>
-          </a:p>
-          <a:p>
-            <a:pPr marL="0" marR="0" lvl="0" indent="0" algn="l" defTabSz="914400" rtl="0" eaLnBrk="0" fontAlgn="base" latinLnBrk="0" hangingPunct="0">
-              <a:lnSpc>
-                <a:spcPct val="100000"/>
-              </a:lnSpc>
-              <a:spcBef>
-                <a:spcPct val="0"/>
-              </a:spcBef>
-              <a:spcAft>
-                <a:spcPct val="0"/>
-              </a:spcAft>
-              <a:buClrTx/>
-              <a:buSzTx/>
-              <a:buFontTx/>
-              <a:buNone/>
-              <a:tabLst/>
-            </a:pPr>
-            <a:endParaRPr kumimoji="0" lang="zh-CN" sz="1800" b="0" i="0" u="none" strike="noStrike" cap="none" normalizeH="0" baseline="0">
-              <a:ln>
-                <a:noFill/>
-              </a:ln>
-              <a:solidFill>
-                <a:schemeClr val="tx1"/>
-              </a:solidFill>
-              <a:effectLst/>
-              <a:latin typeface="Arial" pitchFamily="34" charset="0"/>
-              <a:ea typeface="宋体" pitchFamily="2" charset="-122"/>
-            </a:endParaRPr>
-          </a:p>
-        </p:txBody>
-      </p:sp>
-      <p:sp>
-        <p:nvSpPr>
-          <p:cNvPr id="14338" name="Rectangle 2"/>
-          <p:cNvSpPr>
-            <a:spLocks noChangeArrowheads="1"/>
-          </p:cNvSpPr>
-          <p:nvPr/>
-        </p:nvSpPr>
-        <p:spPr bwMode="auto">
-          <a:xfrm>
-            <a:off x="0" y="0"/>
-            <a:ext cx="9144000" cy="457200"/>
-          </a:xfrm>
-          <a:prstGeom prst="rect">
-            <a:avLst/>
-          </a:prstGeom>
-          <a:noFill/>
-          <a:ln w="9525">
-            <a:noFill/>
-            <a:miter lim="800000"/>
-            <a:headEnd/>
-            <a:tailEnd/>
-          </a:ln>
-          <a:effectLst/>
-        </p:spPr>
-        <p:txBody>
-          <a:bodyPr vert="horz" wrap="none" lIns="91440" tIns="215832" rIns="91440" bIns="209484" numCol="1" anchor="ctr" anchorCtr="0" compatLnSpc="1">
-            <a:prstTxWarp prst="textNoShape">
-              <a:avLst/>
-            </a:prstTxWarp>
-            <a:spAutoFit/>
-          </a:bodyPr>
-          <a:lstStyle/>
-          <a:p>
-            <a:pPr marL="0" marR="0" lvl="0" indent="0" algn="l" defTabSz="914400" rtl="0" eaLnBrk="1" fontAlgn="base" latinLnBrk="0" hangingPunct="1">
-              <a:lnSpc>
-                <a:spcPct val="100000"/>
-              </a:lnSpc>
-              <a:spcBef>
-                <a:spcPct val="0"/>
-              </a:spcBef>
-              <a:spcAft>
-                <a:spcPct val="0"/>
-              </a:spcAft>
-              <a:buClrTx/>
-              <a:buSzTx/>
-              <a:buFontTx/>
-              <a:buNone/>
-              <a:tabLst/>
-            </a:pPr>
-            <a:r>
-              <a:rPr kumimoji="0" lang="zh-CN" sz="2200" b="1" i="0" u="none" strike="noStrike" cap="none" normalizeH="0" baseline="0" bmk="_Toc497066677">
-                <a:ln>
-                  <a:noFill/>
-                </a:ln>
-                <a:solidFill>
-                  <a:schemeClr val="tx1"/>
-                </a:solidFill>
-                <a:effectLst/>
-                <a:latin typeface="宋体" pitchFamily="2" charset="-122"/>
-                <a:ea typeface="宋体" pitchFamily="2" charset="-122"/>
-                <a:cs typeface="Times New Roman" pitchFamily="18" charset="0"/>
-              </a:rPr>
-              <a:t>软件工程系列课程教学辅助网站</a:t>
-            </a:r>
-            <a:endParaRPr kumimoji="0" lang="zh-CN" sz="2200" b="1" i="0" u="none" strike="noStrike" cap="none" normalizeH="0" baseline="0" bmk="">
-              <a:ln>
-                <a:noFill/>
-              </a:ln>
-              <a:solidFill>
-                <a:schemeClr val="tx1"/>
-              </a:solidFill>
-              <a:effectLst/>
-              <a:latin typeface="Times New Roman" pitchFamily="18" charset="0"/>
-              <a:ea typeface="宋体" pitchFamily="2" charset="-122"/>
-              <a:cs typeface="Times New Roman" pitchFamily="18" charset="0"/>
-            </a:endParaRPr>
-          </a:p>
-          <a:p>
-            <a:pPr marL="0" marR="0" lvl="0" indent="0" algn="l" defTabSz="914400" rtl="0" eaLnBrk="0" fontAlgn="base" latinLnBrk="0" hangingPunct="0">
-              <a:lnSpc>
-                <a:spcPct val="100000"/>
-              </a:lnSpc>
-              <a:spcBef>
-                <a:spcPct val="0"/>
-              </a:spcBef>
-              <a:spcAft>
-                <a:spcPct val="0"/>
-              </a:spcAft>
-              <a:buClrTx/>
-              <a:buSzTx/>
-              <a:buFontTx/>
-              <a:buNone/>
-              <a:tabLst/>
-            </a:pPr>
-            <a:r>
-              <a:rPr kumimoji="0" lang="zh-CN" sz="2200" b="1" i="0" u="none" strike="noStrike" cap="none" normalizeH="0" baseline="0" bmk="">
-                <a:ln>
-                  <a:noFill/>
-                </a:ln>
-                <a:solidFill>
-                  <a:schemeClr val="tx1"/>
-                </a:solidFill>
-                <a:effectLst/>
-                <a:latin typeface="宋体" pitchFamily="2" charset="-122"/>
-                <a:ea typeface="宋体" pitchFamily="2" charset="-122"/>
-                <a:cs typeface="Times New Roman" pitchFamily="18" charset="0"/>
-              </a:rPr>
-              <a:t>需求工程计划</a:t>
-            </a:r>
-            <a:endParaRPr kumimoji="0" lang="zh-CN" sz="2200" b="1" i="0" u="none" strike="noStrike" cap="none" normalizeH="0" baseline="0">
-              <a:ln>
-                <a:noFill/>
-              </a:ln>
-              <a:solidFill>
-                <a:schemeClr val="tx1"/>
-              </a:solidFill>
-              <a:effectLst/>
-              <a:latin typeface="Times New Roman" pitchFamily="18" charset="0"/>
-              <a:ea typeface="宋体" pitchFamily="2" charset="-122"/>
-              <a:cs typeface="Times New Roman" pitchFamily="18" charset="0"/>
-            </a:endParaRPr>
-          </a:p>
-          <a:p>
-            <a:pPr marL="0" marR="0" lvl="0" indent="0" algn="l" defTabSz="914400" rtl="0" eaLnBrk="0" fontAlgn="base" latinLnBrk="0" hangingPunct="0">
-              <a:lnSpc>
-                <a:spcPct val="100000"/>
-              </a:lnSpc>
-              <a:spcBef>
-                <a:spcPct val="0"/>
-              </a:spcBef>
-              <a:spcAft>
-                <a:spcPct val="0"/>
-              </a:spcAft>
-              <a:buClrTx/>
-              <a:buSzTx/>
-              <a:buFontTx/>
-              <a:buNone/>
-              <a:tabLst/>
-            </a:pPr>
-            <a:endParaRPr kumimoji="0" lang="zh-CN" sz="1800" b="0" i="0" u="none" strike="noStrike" cap="none" normalizeH="0" baseline="0">
-              <a:ln>
-                <a:noFill/>
-              </a:ln>
-              <a:solidFill>
-                <a:schemeClr val="tx1"/>
-              </a:solidFill>
-              <a:effectLst/>
-              <a:latin typeface="Arial" pitchFamily="34" charset="0"/>
-              <a:ea typeface="宋体" pitchFamily="2" charset="-122"/>
-            </a:endParaRPr>
-          </a:p>
-        </p:txBody>
-      </p:sp>
     </p:spTree>
   </p:cSld>
   <p:clrMapOvr>
